--- a/Docs/Hypoglycemia Prediction.pptx
+++ b/Docs/Hypoglycemia Prediction.pptx
@@ -14,8 +14,9 @@
     <p:sldId id="263" r:id="rId8"/>
     <p:sldId id="264" r:id="rId9"/>
     <p:sldId id="266" r:id="rId10"/>
-    <p:sldId id="265" r:id="rId11"/>
-    <p:sldId id="258" r:id="rId12"/>
+    <p:sldId id="267" r:id="rId11"/>
+    <p:sldId id="265" r:id="rId12"/>
+    <p:sldId id="258" r:id="rId13"/>
   </p:sldIdLst>
   <p:sldSz cx="12192000" cy="6858000"/>
   <p:notesSz cx="6858000" cy="9144000"/>
@@ -188,7 +189,7 @@
           <a:noFill/>
           <a:extLst>
             <a:ext uri="{909E8E84-426E-40dd-AFC4-6F175D3DCCD1}">
-              <a14:hiddenFill xmlns="" xmlns:a14="http://schemas.microsoft.com/office/drawing/2010/main">
+              <a14:hiddenFill xmlns:a14="http://schemas.microsoft.com/office/drawing/2010/main" xmlns="">
                 <a:solidFill>
                   <a:srgbClr val="FFFFFF"/>
                 </a:solidFill>
@@ -248,7 +249,7 @@
             </a:ln>
             <a:extLst>
               <a:ext uri="{91240B29-F687-4f45-9708-019B960494DF}">
-                <a14:hiddenLine xmlns="" xmlns:a14="http://schemas.microsoft.com/office/drawing/2010/main" w="9525">
+                <a14:hiddenLine xmlns:a14="http://schemas.microsoft.com/office/drawing/2010/main" xmlns="" w="9525">
                   <a:solidFill>
                     <a:srgbClr val="000000"/>
                   </a:solidFill>
@@ -338,7 +339,7 @@
             </a:ln>
             <a:extLst>
               <a:ext uri="{91240B29-F687-4f45-9708-019B960494DF}">
-                <a14:hiddenLine xmlns="" xmlns:a14="http://schemas.microsoft.com/office/drawing/2010/main" w="9525">
+                <a14:hiddenLine xmlns:a14="http://schemas.microsoft.com/office/drawing/2010/main" xmlns="" w="9525">
                   <a:solidFill>
                     <a:srgbClr val="000000"/>
                   </a:solidFill>
@@ -428,7 +429,7 @@
             </a:ln>
             <a:extLst>
               <a:ext uri="{91240B29-F687-4f45-9708-019B960494DF}">
-                <a14:hiddenLine xmlns="" xmlns:a14="http://schemas.microsoft.com/office/drawing/2010/main" w="9525">
+                <a14:hiddenLine xmlns:a14="http://schemas.microsoft.com/office/drawing/2010/main" xmlns="" w="9525">
                   <a:solidFill>
                     <a:srgbClr val="000000"/>
                   </a:solidFill>
@@ -462,7 +463,7 @@
             </a:ln>
             <a:extLst>
               <a:ext uri="{91240B29-F687-4f45-9708-019B960494DF}">
-                <a14:hiddenLine xmlns="" xmlns:a14="http://schemas.microsoft.com/office/drawing/2010/main" w="9525">
+                <a14:hiddenLine xmlns:a14="http://schemas.microsoft.com/office/drawing/2010/main" xmlns="" w="9525">
                   <a:solidFill>
                     <a:srgbClr val="000000"/>
                   </a:solidFill>
@@ -552,7 +553,7 @@
             </a:ln>
             <a:extLst>
               <a:ext uri="{91240B29-F687-4f45-9708-019B960494DF}">
-                <a14:hiddenLine xmlns="" xmlns:a14="http://schemas.microsoft.com/office/drawing/2010/main" w="9525">
+                <a14:hiddenLine xmlns:a14="http://schemas.microsoft.com/office/drawing/2010/main" xmlns="" w="9525">
                   <a:solidFill>
                     <a:srgbClr val="000000"/>
                   </a:solidFill>
@@ -614,7 +615,7 @@
             </a:ln>
             <a:extLst>
               <a:ext uri="{91240B29-F687-4f45-9708-019B960494DF}">
-                <a14:hiddenLine xmlns="" xmlns:a14="http://schemas.microsoft.com/office/drawing/2010/main" w="9525">
+                <a14:hiddenLine xmlns:a14="http://schemas.microsoft.com/office/drawing/2010/main" xmlns="" w="9525">
                   <a:solidFill>
                     <a:srgbClr val="000000"/>
                   </a:solidFill>
@@ -676,7 +677,7 @@
             </a:ln>
             <a:extLst>
               <a:ext uri="{91240B29-F687-4f45-9708-019B960494DF}">
-                <a14:hiddenLine xmlns="" xmlns:a14="http://schemas.microsoft.com/office/drawing/2010/main" w="9525">
+                <a14:hiddenLine xmlns:a14="http://schemas.microsoft.com/office/drawing/2010/main" xmlns="" w="9525">
                   <a:solidFill>
                     <a:srgbClr val="000000"/>
                   </a:solidFill>
@@ -766,7 +767,7 @@
             </a:ln>
             <a:extLst>
               <a:ext uri="{91240B29-F687-4f45-9708-019B960494DF}">
-                <a14:hiddenLine xmlns="" xmlns:a14="http://schemas.microsoft.com/office/drawing/2010/main" w="9525">
+                <a14:hiddenLine xmlns:a14="http://schemas.microsoft.com/office/drawing/2010/main" xmlns="" w="9525">
                   <a:solidFill>
                     <a:srgbClr val="000000"/>
                   </a:solidFill>
@@ -828,7 +829,7 @@
             </a:ln>
             <a:extLst>
               <a:ext uri="{91240B29-F687-4f45-9708-019B960494DF}">
-                <a14:hiddenLine xmlns="" xmlns:a14="http://schemas.microsoft.com/office/drawing/2010/main" w="9525">
+                <a14:hiddenLine xmlns:a14="http://schemas.microsoft.com/office/drawing/2010/main" xmlns="" w="9525">
                   <a:solidFill>
                     <a:srgbClr val="000000"/>
                   </a:solidFill>
@@ -890,7 +891,7 @@
             </a:ln>
             <a:extLst>
               <a:ext uri="{91240B29-F687-4f45-9708-019B960494DF}">
-                <a14:hiddenLine xmlns="" xmlns:a14="http://schemas.microsoft.com/office/drawing/2010/main" w="9525">
+                <a14:hiddenLine xmlns:a14="http://schemas.microsoft.com/office/drawing/2010/main" xmlns="" w="9525">
                   <a:solidFill>
                     <a:srgbClr val="000000"/>
                   </a:solidFill>
@@ -980,7 +981,7 @@
             </a:ln>
             <a:extLst>
               <a:ext uri="{91240B29-F687-4f45-9708-019B960494DF}">
-                <a14:hiddenLine xmlns="" xmlns:a14="http://schemas.microsoft.com/office/drawing/2010/main" w="9525">
+                <a14:hiddenLine xmlns:a14="http://schemas.microsoft.com/office/drawing/2010/main" xmlns="" w="9525">
                   <a:solidFill>
                     <a:srgbClr val="000000"/>
                   </a:solidFill>
@@ -1070,7 +1071,7 @@
             </a:ln>
             <a:extLst>
               <a:ext uri="{91240B29-F687-4f45-9708-019B960494DF}">
-                <a14:hiddenLine xmlns="" xmlns:a14="http://schemas.microsoft.com/office/drawing/2010/main" w="9525">
+                <a14:hiddenLine xmlns:a14="http://schemas.microsoft.com/office/drawing/2010/main" xmlns="" w="9525">
                   <a:solidFill>
                     <a:srgbClr val="000000"/>
                   </a:solidFill>
@@ -1132,7 +1133,7 @@
             </a:ln>
             <a:extLst>
               <a:ext uri="{91240B29-F687-4f45-9708-019B960494DF}">
-                <a14:hiddenLine xmlns="" xmlns:a14="http://schemas.microsoft.com/office/drawing/2010/main" w="9525">
+                <a14:hiddenLine xmlns:a14="http://schemas.microsoft.com/office/drawing/2010/main" xmlns="" w="9525">
                   <a:solidFill>
                     <a:srgbClr val="000000"/>
                   </a:solidFill>
@@ -1242,7 +1243,7 @@
             </a:ln>
             <a:extLst>
               <a:ext uri="{91240B29-F687-4f45-9708-019B960494DF}">
-                <a14:hiddenLine xmlns="" xmlns:a14="http://schemas.microsoft.com/office/drawing/2010/main" w="9525">
+                <a14:hiddenLine xmlns:a14="http://schemas.microsoft.com/office/drawing/2010/main" xmlns="" w="9525">
                   <a:solidFill>
                     <a:srgbClr val="000000"/>
                   </a:solidFill>
@@ -1304,7 +1305,7 @@
             </a:ln>
             <a:extLst>
               <a:ext uri="{91240B29-F687-4f45-9708-019B960494DF}">
-                <a14:hiddenLine xmlns="" xmlns:a14="http://schemas.microsoft.com/office/drawing/2010/main" w="9525">
+                <a14:hiddenLine xmlns:a14="http://schemas.microsoft.com/office/drawing/2010/main" xmlns="" w="9525">
                   <a:solidFill>
                     <a:srgbClr val="000000"/>
                   </a:solidFill>
@@ -1394,7 +1395,7 @@
             </a:ln>
             <a:extLst>
               <a:ext uri="{91240B29-F687-4f45-9708-019B960494DF}">
-                <a14:hiddenLine xmlns="" xmlns:a14="http://schemas.microsoft.com/office/drawing/2010/main" w="9525">
+                <a14:hiddenLine xmlns:a14="http://schemas.microsoft.com/office/drawing/2010/main" xmlns="" w="9525">
                   <a:solidFill>
                     <a:srgbClr val="000000"/>
                   </a:solidFill>
@@ -1484,7 +1485,7 @@
             </a:ln>
             <a:extLst>
               <a:ext uri="{91240B29-F687-4f45-9708-019B960494DF}">
-                <a14:hiddenLine xmlns="" xmlns:a14="http://schemas.microsoft.com/office/drawing/2010/main" w="9525">
+                <a14:hiddenLine xmlns:a14="http://schemas.microsoft.com/office/drawing/2010/main" xmlns="" w="9525">
                   <a:solidFill>
                     <a:srgbClr val="000000"/>
                   </a:solidFill>
@@ -1546,7 +1547,7 @@
             </a:ln>
             <a:extLst>
               <a:ext uri="{91240B29-F687-4f45-9708-019B960494DF}">
-                <a14:hiddenLine xmlns="" xmlns:a14="http://schemas.microsoft.com/office/drawing/2010/main" w="9525">
+                <a14:hiddenLine xmlns:a14="http://schemas.microsoft.com/office/drawing/2010/main" xmlns="" w="9525">
                   <a:solidFill>
                     <a:srgbClr val="000000"/>
                   </a:solidFill>
@@ -1636,7 +1637,7 @@
             </a:ln>
             <a:extLst>
               <a:ext uri="{91240B29-F687-4f45-9708-019B960494DF}">
-                <a14:hiddenLine xmlns="" xmlns:a14="http://schemas.microsoft.com/office/drawing/2010/main" w="9525">
+                <a14:hiddenLine xmlns:a14="http://schemas.microsoft.com/office/drawing/2010/main" xmlns="" w="9525">
                   <a:solidFill>
                     <a:srgbClr val="000000"/>
                   </a:solidFill>
@@ -1726,7 +1727,7 @@
             </a:ln>
             <a:extLst>
               <a:ext uri="{91240B29-F687-4f45-9708-019B960494DF}">
-                <a14:hiddenLine xmlns="" xmlns:a14="http://schemas.microsoft.com/office/drawing/2010/main" w="9525">
+                <a14:hiddenLine xmlns:a14="http://schemas.microsoft.com/office/drawing/2010/main" xmlns="" w="9525">
                   <a:solidFill>
                     <a:srgbClr val="000000"/>
                   </a:solidFill>
@@ -1782,7 +1783,7 @@
             </a:ln>
             <a:extLst>
               <a:ext uri="{91240B29-F687-4f45-9708-019B960494DF}">
-                <a14:hiddenLine xmlns="" xmlns:a14="http://schemas.microsoft.com/office/drawing/2010/main" w="9525">
+                <a14:hiddenLine xmlns:a14="http://schemas.microsoft.com/office/drawing/2010/main" xmlns="" w="9525">
                   <a:solidFill>
                     <a:srgbClr val="000000"/>
                   </a:solidFill>
@@ -1872,7 +1873,7 @@
             </a:ln>
             <a:extLst>
               <a:ext uri="{91240B29-F687-4f45-9708-019B960494DF}">
-                <a14:hiddenLine xmlns="" xmlns:a14="http://schemas.microsoft.com/office/drawing/2010/main" w="9525">
+                <a14:hiddenLine xmlns:a14="http://schemas.microsoft.com/office/drawing/2010/main" xmlns="" w="9525">
                   <a:solidFill>
                     <a:srgbClr val="000000"/>
                   </a:solidFill>
@@ -1928,7 +1929,7 @@
             </a:ln>
             <a:extLst>
               <a:ext uri="{91240B29-F687-4f45-9708-019B960494DF}">
-                <a14:hiddenLine xmlns="" xmlns:a14="http://schemas.microsoft.com/office/drawing/2010/main" w="9525">
+                <a14:hiddenLine xmlns:a14="http://schemas.microsoft.com/office/drawing/2010/main" xmlns="" w="9525">
                   <a:solidFill>
                     <a:srgbClr val="000000"/>
                   </a:solidFill>
@@ -2018,7 +2019,7 @@
             </a:ln>
             <a:extLst>
               <a:ext uri="{91240B29-F687-4f45-9708-019B960494DF}">
-                <a14:hiddenLine xmlns="" xmlns:a14="http://schemas.microsoft.com/office/drawing/2010/main" w="9525">
+                <a14:hiddenLine xmlns:a14="http://schemas.microsoft.com/office/drawing/2010/main" xmlns="" w="9525">
                   <a:solidFill>
                     <a:srgbClr val="000000"/>
                   </a:solidFill>
@@ -2086,7 +2087,7 @@
             </a:ln>
             <a:extLst>
               <a:ext uri="{91240B29-F687-4f45-9708-019B960494DF}">
-                <a14:hiddenLine xmlns="" xmlns:a14="http://schemas.microsoft.com/office/drawing/2010/main" w="9525">
+                <a14:hiddenLine xmlns:a14="http://schemas.microsoft.com/office/drawing/2010/main" xmlns="" w="9525">
                   <a:solidFill>
                     <a:srgbClr val="000000"/>
                   </a:solidFill>
@@ -2176,7 +2177,7 @@
             </a:ln>
             <a:extLst>
               <a:ext uri="{91240B29-F687-4f45-9708-019B960494DF}">
-                <a14:hiddenLine xmlns="" xmlns:a14="http://schemas.microsoft.com/office/drawing/2010/main" w="9525">
+                <a14:hiddenLine xmlns:a14="http://schemas.microsoft.com/office/drawing/2010/main" xmlns="" w="9525">
                   <a:solidFill>
                     <a:srgbClr val="000000"/>
                   </a:solidFill>
@@ -2244,7 +2245,7 @@
             </a:ln>
             <a:extLst>
               <a:ext uri="{91240B29-F687-4f45-9708-019B960494DF}">
-                <a14:hiddenLine xmlns="" xmlns:a14="http://schemas.microsoft.com/office/drawing/2010/main" w="9525">
+                <a14:hiddenLine xmlns:a14="http://schemas.microsoft.com/office/drawing/2010/main" xmlns="" w="9525">
                   <a:solidFill>
                     <a:srgbClr val="000000"/>
                   </a:solidFill>
@@ -2334,7 +2335,7 @@
             </a:ln>
             <a:extLst>
               <a:ext uri="{91240B29-F687-4f45-9708-019B960494DF}">
-                <a14:hiddenLine xmlns="" xmlns:a14="http://schemas.microsoft.com/office/drawing/2010/main" w="9525">
+                <a14:hiddenLine xmlns:a14="http://schemas.microsoft.com/office/drawing/2010/main" xmlns="" w="9525">
                   <a:solidFill>
                     <a:srgbClr val="000000"/>
                   </a:solidFill>
@@ -2368,7 +2369,7 @@
             </a:ln>
             <a:extLst>
               <a:ext uri="{91240B29-F687-4f45-9708-019B960494DF}">
-                <a14:hiddenLine xmlns="" xmlns:a14="http://schemas.microsoft.com/office/drawing/2010/main" w="9525">
+                <a14:hiddenLine xmlns:a14="http://schemas.microsoft.com/office/drawing/2010/main" xmlns="" w="9525">
                   <a:solidFill>
                     <a:srgbClr val="000000"/>
                   </a:solidFill>
@@ -2458,7 +2459,7 @@
             </a:ln>
             <a:extLst>
               <a:ext uri="{91240B29-F687-4f45-9708-019B960494DF}">
-                <a14:hiddenLine xmlns="" xmlns:a14="http://schemas.microsoft.com/office/drawing/2010/main" w="9525">
+                <a14:hiddenLine xmlns:a14="http://schemas.microsoft.com/office/drawing/2010/main" xmlns="" w="9525">
                   <a:solidFill>
                     <a:srgbClr val="000000"/>
                   </a:solidFill>
@@ -2520,7 +2521,7 @@
             </a:ln>
             <a:extLst>
               <a:ext uri="{91240B29-F687-4f45-9708-019B960494DF}">
-                <a14:hiddenLine xmlns="" xmlns:a14="http://schemas.microsoft.com/office/drawing/2010/main" w="9525">
+                <a14:hiddenLine xmlns:a14="http://schemas.microsoft.com/office/drawing/2010/main" xmlns="" w="9525">
                   <a:solidFill>
                     <a:srgbClr val="000000"/>
                   </a:solidFill>
@@ -2582,7 +2583,7 @@
             </a:ln>
             <a:extLst>
               <a:ext uri="{91240B29-F687-4f45-9708-019B960494DF}">
-                <a14:hiddenLine xmlns="" xmlns:a14="http://schemas.microsoft.com/office/drawing/2010/main" w="9525">
+                <a14:hiddenLine xmlns:a14="http://schemas.microsoft.com/office/drawing/2010/main" xmlns="" w="9525">
                   <a:solidFill>
                     <a:srgbClr val="000000"/>
                   </a:solidFill>
@@ -2672,7 +2673,7 @@
             </a:ln>
             <a:extLst>
               <a:ext uri="{91240B29-F687-4f45-9708-019B960494DF}">
-                <a14:hiddenLine xmlns="" xmlns:a14="http://schemas.microsoft.com/office/drawing/2010/main" w="9525">
+                <a14:hiddenLine xmlns:a14="http://schemas.microsoft.com/office/drawing/2010/main" xmlns="" w="9525">
                   <a:solidFill>
                     <a:srgbClr val="000000"/>
                   </a:solidFill>
@@ -2740,7 +2741,7 @@
             </a:ln>
             <a:extLst>
               <a:ext uri="{91240B29-F687-4f45-9708-019B960494DF}">
-                <a14:hiddenLine xmlns="" xmlns:a14="http://schemas.microsoft.com/office/drawing/2010/main" w="9525">
+                <a14:hiddenLine xmlns:a14="http://schemas.microsoft.com/office/drawing/2010/main" xmlns="" w="9525">
                   <a:solidFill>
                     <a:srgbClr val="000000"/>
                   </a:solidFill>
@@ -2802,7 +2803,7 @@
             </a:ln>
             <a:extLst>
               <a:ext uri="{91240B29-F687-4f45-9708-019B960494DF}">
-                <a14:hiddenLine xmlns="" xmlns:a14="http://schemas.microsoft.com/office/drawing/2010/main" w="9525">
+                <a14:hiddenLine xmlns:a14="http://schemas.microsoft.com/office/drawing/2010/main" xmlns="" w="9525">
                   <a:solidFill>
                     <a:srgbClr val="000000"/>
                   </a:solidFill>
@@ -2892,7 +2893,7 @@
             </a:ln>
             <a:extLst>
               <a:ext uri="{91240B29-F687-4f45-9708-019B960494DF}">
-                <a14:hiddenLine xmlns="" xmlns:a14="http://schemas.microsoft.com/office/drawing/2010/main" w="9525">
+                <a14:hiddenLine xmlns:a14="http://schemas.microsoft.com/office/drawing/2010/main" xmlns="" w="9525">
                   <a:solidFill>
                     <a:srgbClr val="000000"/>
                   </a:solidFill>
@@ -2954,7 +2955,7 @@
             </a:ln>
             <a:extLst>
               <a:ext uri="{91240B29-F687-4f45-9708-019B960494DF}">
-                <a14:hiddenLine xmlns="" xmlns:a14="http://schemas.microsoft.com/office/drawing/2010/main" w="9525">
+                <a14:hiddenLine xmlns:a14="http://schemas.microsoft.com/office/drawing/2010/main" xmlns="" w="9525">
                   <a:solidFill>
                     <a:srgbClr val="000000"/>
                   </a:solidFill>
@@ -3044,7 +3045,7 @@
             </a:ln>
             <a:extLst>
               <a:ext uri="{91240B29-F687-4f45-9708-019B960494DF}">
-                <a14:hiddenLine xmlns="" xmlns:a14="http://schemas.microsoft.com/office/drawing/2010/main" w="9525">
+                <a14:hiddenLine xmlns:a14="http://schemas.microsoft.com/office/drawing/2010/main" xmlns="" w="9525">
                   <a:solidFill>
                     <a:srgbClr val="000000"/>
                   </a:solidFill>
@@ -3106,7 +3107,7 @@
             </a:ln>
             <a:extLst>
               <a:ext uri="{91240B29-F687-4f45-9708-019B960494DF}">
-                <a14:hiddenLine xmlns="" xmlns:a14="http://schemas.microsoft.com/office/drawing/2010/main" w="9525">
+                <a14:hiddenLine xmlns:a14="http://schemas.microsoft.com/office/drawing/2010/main" xmlns="" w="9525">
                   <a:solidFill>
                     <a:srgbClr val="000000"/>
                   </a:solidFill>
@@ -3196,7 +3197,7 @@
             </a:ln>
             <a:extLst>
               <a:ext uri="{91240B29-F687-4f45-9708-019B960494DF}">
-                <a14:hiddenLine xmlns="" xmlns:a14="http://schemas.microsoft.com/office/drawing/2010/main" w="9525">
+                <a14:hiddenLine xmlns:a14="http://schemas.microsoft.com/office/drawing/2010/main" xmlns="" w="9525">
                   <a:solidFill>
                     <a:srgbClr val="000000"/>
                   </a:solidFill>
@@ -3230,7 +3231,7 @@
             </a:ln>
             <a:extLst>
               <a:ext uri="{91240B29-F687-4f45-9708-019B960494DF}">
-                <a14:hiddenLine xmlns="" xmlns:a14="http://schemas.microsoft.com/office/drawing/2010/main" w="9525">
+                <a14:hiddenLine xmlns:a14="http://schemas.microsoft.com/office/drawing/2010/main" xmlns="" w="9525">
                   <a:solidFill>
                     <a:srgbClr val="000000"/>
                   </a:solidFill>
@@ -3295,7 +3296,7 @@
             </a:ln>
             <a:extLst>
               <a:ext uri="{91240B29-F687-4f45-9708-019B960494DF}">
-                <a14:hiddenLine xmlns="" xmlns:a14="http://schemas.microsoft.com/office/drawing/2010/main" w="9525">
+                <a14:hiddenLine xmlns:a14="http://schemas.microsoft.com/office/drawing/2010/main" xmlns="" w="9525">
                   <a:solidFill>
                     <a:srgbClr val="000000"/>
                   </a:solidFill>
@@ -3385,7 +3386,7 @@
             </a:ln>
             <a:extLst>
               <a:ext uri="{91240B29-F687-4f45-9708-019B960494DF}">
-                <a14:hiddenLine xmlns="" xmlns:a14="http://schemas.microsoft.com/office/drawing/2010/main" w="9525">
+                <a14:hiddenLine xmlns:a14="http://schemas.microsoft.com/office/drawing/2010/main" xmlns="" w="9525">
                   <a:solidFill>
                     <a:srgbClr val="000000"/>
                   </a:solidFill>
@@ -3447,7 +3448,7 @@
             </a:ln>
             <a:extLst>
               <a:ext uri="{91240B29-F687-4f45-9708-019B960494DF}">
-                <a14:hiddenLine xmlns="" xmlns:a14="http://schemas.microsoft.com/office/drawing/2010/main" w="9525">
+                <a14:hiddenLine xmlns:a14="http://schemas.microsoft.com/office/drawing/2010/main" xmlns="" w="9525">
                   <a:solidFill>
                     <a:srgbClr val="000000"/>
                   </a:solidFill>
@@ -3537,7 +3538,7 @@
             </a:ln>
             <a:extLst>
               <a:ext uri="{91240B29-F687-4f45-9708-019B960494DF}">
-                <a14:hiddenLine xmlns="" xmlns:a14="http://schemas.microsoft.com/office/drawing/2010/main" w="9525">
+                <a14:hiddenLine xmlns:a14="http://schemas.microsoft.com/office/drawing/2010/main" xmlns="" w="9525">
                   <a:solidFill>
                     <a:srgbClr val="000000"/>
                   </a:solidFill>
@@ -3627,7 +3628,7 @@
             </a:ln>
             <a:extLst>
               <a:ext uri="{91240B29-F687-4f45-9708-019B960494DF}">
-                <a14:hiddenLine xmlns="" xmlns:a14="http://schemas.microsoft.com/office/drawing/2010/main" w="9525">
+                <a14:hiddenLine xmlns:a14="http://schemas.microsoft.com/office/drawing/2010/main" xmlns="" w="9525">
                   <a:solidFill>
                     <a:srgbClr val="000000"/>
                   </a:solidFill>
@@ -3692,7 +3693,7 @@
             </a:ln>
             <a:extLst>
               <a:ext uri="{91240B29-F687-4f45-9708-019B960494DF}">
-                <a14:hiddenLine xmlns="" xmlns:a14="http://schemas.microsoft.com/office/drawing/2010/main" w="9525">
+                <a14:hiddenLine xmlns:a14="http://schemas.microsoft.com/office/drawing/2010/main" xmlns="" w="9525">
                   <a:solidFill>
                     <a:srgbClr val="000000"/>
                   </a:solidFill>
@@ -3754,7 +3755,7 @@
             </a:ln>
             <a:extLst>
               <a:ext uri="{91240B29-F687-4f45-9708-019B960494DF}">
-                <a14:hiddenLine xmlns="" xmlns:a14="http://schemas.microsoft.com/office/drawing/2010/main" w="9525">
+                <a14:hiddenLine xmlns:a14="http://schemas.microsoft.com/office/drawing/2010/main" xmlns="" w="9525">
                   <a:solidFill>
                     <a:srgbClr val="000000"/>
                   </a:solidFill>
@@ -3844,7 +3845,7 @@
             </a:ln>
             <a:extLst>
               <a:ext uri="{91240B29-F687-4f45-9708-019B960494DF}">
-                <a14:hiddenLine xmlns="" xmlns:a14="http://schemas.microsoft.com/office/drawing/2010/main" w="9525">
+                <a14:hiddenLine xmlns:a14="http://schemas.microsoft.com/office/drawing/2010/main" xmlns="" w="9525">
                   <a:solidFill>
                     <a:srgbClr val="000000"/>
                   </a:solidFill>
@@ -3934,7 +3935,7 @@
             </a:ln>
             <a:extLst>
               <a:ext uri="{91240B29-F687-4f45-9708-019B960494DF}">
-                <a14:hiddenLine xmlns="" xmlns:a14="http://schemas.microsoft.com/office/drawing/2010/main" w="9525">
+                <a14:hiddenLine xmlns:a14="http://schemas.microsoft.com/office/drawing/2010/main" xmlns="" w="9525">
                   <a:solidFill>
                     <a:srgbClr val="000000"/>
                   </a:solidFill>
@@ -3996,7 +3997,7 @@
             </a:ln>
             <a:extLst>
               <a:ext uri="{91240B29-F687-4f45-9708-019B960494DF}">
-                <a14:hiddenLine xmlns="" xmlns:a14="http://schemas.microsoft.com/office/drawing/2010/main" w="9525">
+                <a14:hiddenLine xmlns:a14="http://schemas.microsoft.com/office/drawing/2010/main" xmlns="" w="9525">
                   <a:solidFill>
                     <a:srgbClr val="000000"/>
                   </a:solidFill>
@@ -4116,7 +4117,7 @@
             </a:ln>
             <a:extLst>
               <a:ext uri="{91240B29-F687-4f45-9708-019B960494DF}">
-                <a14:hiddenLine xmlns="" xmlns:a14="http://schemas.microsoft.com/office/drawing/2010/main" w="9525">
+                <a14:hiddenLine xmlns:a14="http://schemas.microsoft.com/office/drawing/2010/main" xmlns="" w="9525">
                   <a:solidFill>
                     <a:srgbClr val="000000"/>
                   </a:solidFill>
@@ -4184,7 +4185,7 @@
             </a:ln>
             <a:extLst>
               <a:ext uri="{91240B29-F687-4f45-9708-019B960494DF}">
-                <a14:hiddenLine xmlns="" xmlns:a14="http://schemas.microsoft.com/office/drawing/2010/main" w="9525">
+                <a14:hiddenLine xmlns:a14="http://schemas.microsoft.com/office/drawing/2010/main" xmlns="" w="9525">
                   <a:solidFill>
                     <a:srgbClr val="000000"/>
                   </a:solidFill>
@@ -4274,7 +4275,7 @@
             </a:ln>
             <a:extLst>
               <a:ext uri="{91240B29-F687-4f45-9708-019B960494DF}">
-                <a14:hiddenLine xmlns="" xmlns:a14="http://schemas.microsoft.com/office/drawing/2010/main" w="9525">
+                <a14:hiddenLine xmlns:a14="http://schemas.microsoft.com/office/drawing/2010/main" xmlns="" w="9525">
                   <a:solidFill>
                     <a:srgbClr val="000000"/>
                   </a:solidFill>
@@ -4414,7 +4415,7 @@
           <a:p>
             <a:fld id="{48A87A34-81AB-432B-8DAE-1953F412C126}" type="datetimeFigureOut">
               <a:rPr lang="en-US" dirty="0"/>
-              <a:t>4/3/18</a:t>
+              <a:t>4/19/18</a:t>
             </a:fld>
             <a:endParaRPr lang="en-US" dirty="0"/>
           </a:p>
@@ -4676,7 +4677,7 @@
           <a:p>
             <a:fld id="{48A87A34-81AB-432B-8DAE-1953F412C126}" type="datetimeFigureOut">
               <a:rPr lang="en-US" dirty="0"/>
-              <a:t>4/3/18</a:t>
+              <a:t>4/19/18</a:t>
             </a:fld>
             <a:endParaRPr lang="en-US" dirty="0"/>
           </a:p>
@@ -4867,7 +4868,7 @@
           <a:p>
             <a:fld id="{48A87A34-81AB-432B-8DAE-1953F412C126}" type="datetimeFigureOut">
               <a:rPr lang="en-US" dirty="0"/>
-              <a:t>4/3/18</a:t>
+              <a:t>4/19/18</a:t>
             </a:fld>
             <a:endParaRPr lang="en-US" dirty="0"/>
           </a:p>
@@ -5125,7 +5126,7 @@
           <a:p>
             <a:fld id="{48A87A34-81AB-432B-8DAE-1953F412C126}" type="datetimeFigureOut">
               <a:rPr lang="en-US" dirty="0"/>
-              <a:t>4/3/18</a:t>
+              <a:t>4/19/18</a:t>
             </a:fld>
             <a:endParaRPr lang="en-US" dirty="0"/>
           </a:p>
@@ -5554,7 +5555,7 @@
           <a:p>
             <a:fld id="{48A87A34-81AB-432B-8DAE-1953F412C126}" type="datetimeFigureOut">
               <a:rPr lang="en-US" dirty="0"/>
-              <a:t>4/3/18</a:t>
+              <a:t>4/19/18</a:t>
             </a:fld>
             <a:endParaRPr lang="en-US" dirty="0"/>
           </a:p>
@@ -6095,7 +6096,7 @@
           <a:p>
             <a:fld id="{48A87A34-81AB-432B-8DAE-1953F412C126}" type="datetimeFigureOut">
               <a:rPr lang="en-US" dirty="0"/>
-              <a:t>4/3/18</a:t>
+              <a:t>4/19/18</a:t>
             </a:fld>
             <a:endParaRPr lang="en-US" dirty="0"/>
           </a:p>
@@ -6810,7 +6811,7 @@
           <a:p>
             <a:fld id="{48A87A34-81AB-432B-8DAE-1953F412C126}" type="datetimeFigureOut">
               <a:rPr lang="en-US" dirty="0"/>
-              <a:t>4/3/18</a:t>
+              <a:t>4/19/18</a:t>
             </a:fld>
             <a:endParaRPr lang="en-US" dirty="0"/>
           </a:p>
@@ -6975,7 +6976,7 @@
           <a:p>
             <a:fld id="{48A87A34-81AB-432B-8DAE-1953F412C126}" type="datetimeFigureOut">
               <a:rPr lang="en-US" dirty="0"/>
-              <a:t>4/3/18</a:t>
+              <a:t>4/19/18</a:t>
             </a:fld>
             <a:endParaRPr lang="en-US" dirty="0"/>
           </a:p>
@@ -7150,7 +7151,7 @@
           <a:p>
             <a:fld id="{48A87A34-81AB-432B-8DAE-1953F412C126}" type="datetimeFigureOut">
               <a:rPr lang="en-US" dirty="0"/>
-              <a:t>4/3/18</a:t>
+              <a:t>4/19/18</a:t>
             </a:fld>
             <a:endParaRPr lang="en-US" dirty="0"/>
           </a:p>
@@ -7315,7 +7316,7 @@
           <a:p>
             <a:fld id="{48A87A34-81AB-432B-8DAE-1953F412C126}" type="datetimeFigureOut">
               <a:rPr lang="en-US" dirty="0"/>
-              <a:t>4/3/18</a:t>
+              <a:t>4/19/18</a:t>
             </a:fld>
             <a:endParaRPr lang="en-US" dirty="0"/>
           </a:p>
@@ -7560,7 +7561,7 @@
           <a:p>
             <a:fld id="{48A87A34-81AB-432B-8DAE-1953F412C126}" type="datetimeFigureOut">
               <a:rPr lang="en-US" dirty="0"/>
-              <a:t>4/3/18</a:t>
+              <a:t>4/19/18</a:t>
             </a:fld>
             <a:endParaRPr lang="en-US" dirty="0"/>
           </a:p>
@@ -7787,7 +7788,7 @@
           <a:p>
             <a:fld id="{48A87A34-81AB-432B-8DAE-1953F412C126}" type="datetimeFigureOut">
               <a:rPr lang="en-US" dirty="0"/>
-              <a:t>4/3/18</a:t>
+              <a:t>4/19/18</a:t>
             </a:fld>
             <a:endParaRPr lang="en-US" dirty="0"/>
           </a:p>
@@ -8163,7 +8164,7 @@
           <a:p>
             <a:fld id="{48A87A34-81AB-432B-8DAE-1953F412C126}" type="datetimeFigureOut">
               <a:rPr lang="en-US" dirty="0"/>
-              <a:t>4/3/18</a:t>
+              <a:t>4/19/18</a:t>
             </a:fld>
             <a:endParaRPr lang="en-US" dirty="0"/>
           </a:p>
@@ -8276,7 +8277,7 @@
           <a:p>
             <a:fld id="{48A87A34-81AB-432B-8DAE-1953F412C126}" type="datetimeFigureOut">
               <a:rPr lang="en-US" dirty="0"/>
-              <a:t>4/3/18</a:t>
+              <a:t>4/19/18</a:t>
             </a:fld>
             <a:endParaRPr lang="en-US" dirty="0"/>
           </a:p>
@@ -8366,7 +8367,7 @@
           <a:p>
             <a:fld id="{48A87A34-81AB-432B-8DAE-1953F412C126}" type="datetimeFigureOut">
               <a:rPr lang="en-US" dirty="0"/>
-              <a:t>4/3/18</a:t>
+              <a:t>4/19/18</a:t>
             </a:fld>
             <a:endParaRPr lang="en-US" dirty="0"/>
           </a:p>
@@ -8610,7 +8611,7 @@
           <a:p>
             <a:fld id="{48A87A34-81AB-432B-8DAE-1953F412C126}" type="datetimeFigureOut">
               <a:rPr lang="en-US" dirty="0"/>
-              <a:t>4/3/18</a:t>
+              <a:t>4/19/18</a:t>
             </a:fld>
             <a:endParaRPr lang="en-US" dirty="0"/>
           </a:p>
@@ -8885,7 +8886,7 @@
           <a:p>
             <a:fld id="{48A87A34-81AB-432B-8DAE-1953F412C126}" type="datetimeFigureOut">
               <a:rPr lang="en-US" dirty="0"/>
-              <a:t>4/3/18</a:t>
+              <a:t>4/19/18</a:t>
             </a:fld>
             <a:endParaRPr lang="en-US" dirty="0"/>
           </a:p>
@@ -8996,7 +8997,7 @@
           <a:noFill/>
           <a:extLst>
             <a:ext uri="{909E8E84-426E-40dd-AFC4-6F175D3DCCD1}">
-              <a14:hiddenFill xmlns="" xmlns:a14="http://schemas.microsoft.com/office/drawing/2010/main">
+              <a14:hiddenFill xmlns:a14="http://schemas.microsoft.com/office/drawing/2010/main" xmlns="">
                 <a:solidFill>
                   <a:srgbClr val="FFFFFF"/>
                 </a:solidFill>
@@ -9070,7 +9071,7 @@
               </a:ln>
               <a:extLst>
                 <a:ext uri="{91240B29-F687-4f45-9708-019B960494DF}">
-                  <a14:hiddenLine xmlns="" xmlns:a14="http://schemas.microsoft.com/office/drawing/2010/main" w="9525">
+                  <a14:hiddenLine xmlns:a14="http://schemas.microsoft.com/office/drawing/2010/main" xmlns="" w="9525">
                     <a:solidFill>
                       <a:srgbClr val="000000"/>
                     </a:solidFill>
@@ -9160,7 +9161,7 @@
               </a:ln>
               <a:extLst>
                 <a:ext uri="{91240B29-F687-4f45-9708-019B960494DF}">
-                  <a14:hiddenLine xmlns="" xmlns:a14="http://schemas.microsoft.com/office/drawing/2010/main" w="9525">
+                  <a14:hiddenLine xmlns:a14="http://schemas.microsoft.com/office/drawing/2010/main" xmlns="" w="9525">
                     <a:solidFill>
                       <a:srgbClr val="000000"/>
                     </a:solidFill>
@@ -9250,7 +9251,7 @@
               </a:ln>
               <a:extLst>
                 <a:ext uri="{91240B29-F687-4f45-9708-019B960494DF}">
-                  <a14:hiddenLine xmlns="" xmlns:a14="http://schemas.microsoft.com/office/drawing/2010/main" w="9525">
+                  <a14:hiddenLine xmlns:a14="http://schemas.microsoft.com/office/drawing/2010/main" xmlns="" w="9525">
                     <a:solidFill>
                       <a:srgbClr val="000000"/>
                     </a:solidFill>
@@ -9312,7 +9313,7 @@
               </a:ln>
               <a:extLst>
                 <a:ext uri="{91240B29-F687-4f45-9708-019B960494DF}">
-                  <a14:hiddenLine xmlns="" xmlns:a14="http://schemas.microsoft.com/office/drawing/2010/main" w="9525">
+                  <a14:hiddenLine xmlns:a14="http://schemas.microsoft.com/office/drawing/2010/main" xmlns="" w="9525">
                     <a:solidFill>
                       <a:srgbClr val="000000"/>
                     </a:solidFill>
@@ -9402,7 +9403,7 @@
               </a:ln>
               <a:extLst>
                 <a:ext uri="{91240B29-F687-4f45-9708-019B960494DF}">
-                  <a14:hiddenLine xmlns="" xmlns:a14="http://schemas.microsoft.com/office/drawing/2010/main" w="9525">
+                  <a14:hiddenLine xmlns:a14="http://schemas.microsoft.com/office/drawing/2010/main" xmlns="" w="9525">
                     <a:solidFill>
                       <a:srgbClr val="000000"/>
                     </a:solidFill>
@@ -9464,7 +9465,7 @@
               </a:ln>
               <a:extLst>
                 <a:ext uri="{91240B29-F687-4f45-9708-019B960494DF}">
-                  <a14:hiddenLine xmlns="" xmlns:a14="http://schemas.microsoft.com/office/drawing/2010/main" w="9525">
+                  <a14:hiddenLine xmlns:a14="http://schemas.microsoft.com/office/drawing/2010/main" xmlns="" w="9525">
                     <a:solidFill>
                       <a:srgbClr val="000000"/>
                     </a:solidFill>
@@ -9526,7 +9527,7 @@
               </a:ln>
               <a:extLst>
                 <a:ext uri="{91240B29-F687-4f45-9708-019B960494DF}">
-                  <a14:hiddenLine xmlns="" xmlns:a14="http://schemas.microsoft.com/office/drawing/2010/main" w="9525">
+                  <a14:hiddenLine xmlns:a14="http://schemas.microsoft.com/office/drawing/2010/main" xmlns="" w="9525">
                     <a:solidFill>
                       <a:srgbClr val="000000"/>
                     </a:solidFill>
@@ -9616,7 +9617,7 @@
               </a:ln>
               <a:extLst>
                 <a:ext uri="{91240B29-F687-4f45-9708-019B960494DF}">
-                  <a14:hiddenLine xmlns="" xmlns:a14="http://schemas.microsoft.com/office/drawing/2010/main" w="9525">
+                  <a14:hiddenLine xmlns:a14="http://schemas.microsoft.com/office/drawing/2010/main" xmlns="" w="9525">
                     <a:solidFill>
                       <a:srgbClr val="000000"/>
                     </a:solidFill>
@@ -9706,7 +9707,7 @@
               </a:ln>
               <a:extLst>
                 <a:ext uri="{91240B29-F687-4f45-9708-019B960494DF}">
-                  <a14:hiddenLine xmlns="" xmlns:a14="http://schemas.microsoft.com/office/drawing/2010/main" w="9525">
+                  <a14:hiddenLine xmlns:a14="http://schemas.microsoft.com/office/drawing/2010/main" xmlns="" w="9525">
                     <a:solidFill>
                       <a:srgbClr val="000000"/>
                     </a:solidFill>
@@ -9768,7 +9769,7 @@
               </a:ln>
               <a:extLst>
                 <a:ext uri="{91240B29-F687-4f45-9708-019B960494DF}">
-                  <a14:hiddenLine xmlns="" xmlns:a14="http://schemas.microsoft.com/office/drawing/2010/main" w="9525">
+                  <a14:hiddenLine xmlns:a14="http://schemas.microsoft.com/office/drawing/2010/main" xmlns="" w="9525">
                     <a:solidFill>
                       <a:srgbClr val="000000"/>
                     </a:solidFill>
@@ -9878,7 +9879,7 @@
               </a:ln>
               <a:extLst>
                 <a:ext uri="{91240B29-F687-4f45-9708-019B960494DF}">
-                  <a14:hiddenLine xmlns="" xmlns:a14="http://schemas.microsoft.com/office/drawing/2010/main" w="9525">
+                  <a14:hiddenLine xmlns:a14="http://schemas.microsoft.com/office/drawing/2010/main" xmlns="" w="9525">
                     <a:solidFill>
                       <a:srgbClr val="000000"/>
                     </a:solidFill>
@@ -9962,7 +9963,7 @@
               </a:ln>
               <a:extLst>
                 <a:ext uri="{91240B29-F687-4f45-9708-019B960494DF}">
-                  <a14:hiddenLine xmlns="" xmlns:a14="http://schemas.microsoft.com/office/drawing/2010/main" w="9525">
+                  <a14:hiddenLine xmlns:a14="http://schemas.microsoft.com/office/drawing/2010/main" xmlns="" w="9525">
                     <a:solidFill>
                       <a:srgbClr val="000000"/>
                     </a:solidFill>
@@ -10024,7 +10025,7 @@
               </a:ln>
               <a:extLst>
                 <a:ext uri="{91240B29-F687-4f45-9708-019B960494DF}">
-                  <a14:hiddenLine xmlns="" xmlns:a14="http://schemas.microsoft.com/office/drawing/2010/main" w="9525">
+                  <a14:hiddenLine xmlns:a14="http://schemas.microsoft.com/office/drawing/2010/main" xmlns="" w="9525">
                     <a:solidFill>
                       <a:srgbClr val="000000"/>
                     </a:solidFill>
@@ -10086,7 +10087,7 @@
               </a:ln>
               <a:extLst>
                 <a:ext uri="{91240B29-F687-4f45-9708-019B960494DF}">
-                  <a14:hiddenLine xmlns="" xmlns:a14="http://schemas.microsoft.com/office/drawing/2010/main" w="9525">
+                  <a14:hiddenLine xmlns:a14="http://schemas.microsoft.com/office/drawing/2010/main" xmlns="" w="9525">
                     <a:solidFill>
                       <a:srgbClr val="000000"/>
                     </a:solidFill>
@@ -10176,7 +10177,7 @@
               </a:ln>
               <a:extLst>
                 <a:ext uri="{91240B29-F687-4f45-9708-019B960494DF}">
-                  <a14:hiddenLine xmlns="" xmlns:a14="http://schemas.microsoft.com/office/drawing/2010/main" w="9525">
+                  <a14:hiddenLine xmlns:a14="http://schemas.microsoft.com/office/drawing/2010/main" xmlns="" w="9525">
                     <a:solidFill>
                       <a:srgbClr val="000000"/>
                     </a:solidFill>
@@ -10210,7 +10211,7 @@
               </a:ln>
               <a:extLst>
                 <a:ext uri="{91240B29-F687-4f45-9708-019B960494DF}">
-                  <a14:hiddenLine xmlns="" xmlns:a14="http://schemas.microsoft.com/office/drawing/2010/main" w="9525">
+                  <a14:hiddenLine xmlns:a14="http://schemas.microsoft.com/office/drawing/2010/main" xmlns="" w="9525">
                     <a:solidFill>
                       <a:srgbClr val="000000"/>
                     </a:solidFill>
@@ -10275,7 +10276,7 @@
               </a:ln>
               <a:extLst>
                 <a:ext uri="{91240B29-F687-4f45-9708-019B960494DF}">
-                  <a14:hiddenLine xmlns="" xmlns:a14="http://schemas.microsoft.com/office/drawing/2010/main" w="9525">
+                  <a14:hiddenLine xmlns:a14="http://schemas.microsoft.com/office/drawing/2010/main" xmlns="" w="9525">
                     <a:solidFill>
                       <a:srgbClr val="000000"/>
                     </a:solidFill>
@@ -10365,7 +10366,7 @@
               </a:ln>
               <a:extLst>
                 <a:ext uri="{91240B29-F687-4f45-9708-019B960494DF}">
-                  <a14:hiddenLine xmlns="" xmlns:a14="http://schemas.microsoft.com/office/drawing/2010/main" w="9525">
+                  <a14:hiddenLine xmlns:a14="http://schemas.microsoft.com/office/drawing/2010/main" xmlns="" w="9525">
                     <a:solidFill>
                       <a:srgbClr val="000000"/>
                     </a:solidFill>
@@ -10427,7 +10428,7 @@
               </a:ln>
               <a:extLst>
                 <a:ext uri="{91240B29-F687-4f45-9708-019B960494DF}">
-                  <a14:hiddenLine xmlns="" xmlns:a14="http://schemas.microsoft.com/office/drawing/2010/main" w="9525">
+                  <a14:hiddenLine xmlns:a14="http://schemas.microsoft.com/office/drawing/2010/main" xmlns="" w="9525">
                     <a:solidFill>
                       <a:srgbClr val="000000"/>
                     </a:solidFill>
@@ -10517,7 +10518,7 @@
               </a:ln>
               <a:extLst>
                 <a:ext uri="{91240B29-F687-4f45-9708-019B960494DF}">
-                  <a14:hiddenLine xmlns="" xmlns:a14="http://schemas.microsoft.com/office/drawing/2010/main" w="9525">
+                  <a14:hiddenLine xmlns:a14="http://schemas.microsoft.com/office/drawing/2010/main" xmlns="" w="9525">
                     <a:solidFill>
                       <a:srgbClr val="000000"/>
                     </a:solidFill>
@@ -10582,7 +10583,7 @@
               </a:ln>
               <a:extLst>
                 <a:ext uri="{91240B29-F687-4f45-9708-019B960494DF}">
-                  <a14:hiddenLine xmlns="" xmlns:a14="http://schemas.microsoft.com/office/drawing/2010/main" w="9525">
+                  <a14:hiddenLine xmlns:a14="http://schemas.microsoft.com/office/drawing/2010/main" xmlns="" w="9525">
                     <a:solidFill>
                       <a:srgbClr val="000000"/>
                     </a:solidFill>
@@ -10644,7 +10645,7 @@
               </a:ln>
               <a:extLst>
                 <a:ext uri="{91240B29-F687-4f45-9708-019B960494DF}">
-                  <a14:hiddenLine xmlns="" xmlns:a14="http://schemas.microsoft.com/office/drawing/2010/main" w="9525">
+                  <a14:hiddenLine xmlns:a14="http://schemas.microsoft.com/office/drawing/2010/main" xmlns="" w="9525">
                     <a:solidFill>
                       <a:srgbClr val="000000"/>
                     </a:solidFill>
@@ -10734,7 +10735,7 @@
               </a:ln>
               <a:extLst>
                 <a:ext uri="{91240B29-F687-4f45-9708-019B960494DF}">
-                  <a14:hiddenLine xmlns="" xmlns:a14="http://schemas.microsoft.com/office/drawing/2010/main" w="9525">
+                  <a14:hiddenLine xmlns:a14="http://schemas.microsoft.com/office/drawing/2010/main" xmlns="" w="9525">
                     <a:solidFill>
                       <a:srgbClr val="000000"/>
                     </a:solidFill>
@@ -10824,7 +10825,7 @@
               </a:ln>
               <a:extLst>
                 <a:ext uri="{91240B29-F687-4f45-9708-019B960494DF}">
-                  <a14:hiddenLine xmlns="" xmlns:a14="http://schemas.microsoft.com/office/drawing/2010/main" w="9525">
+                  <a14:hiddenLine xmlns:a14="http://schemas.microsoft.com/office/drawing/2010/main" xmlns="" w="9525">
                     <a:solidFill>
                       <a:srgbClr val="000000"/>
                     </a:solidFill>
@@ -10889,7 +10890,7 @@
               </a:ln>
               <a:extLst>
                 <a:ext uri="{91240B29-F687-4f45-9708-019B960494DF}">
-                  <a14:hiddenLine xmlns="" xmlns:a14="http://schemas.microsoft.com/office/drawing/2010/main" w="9525">
+                  <a14:hiddenLine xmlns:a14="http://schemas.microsoft.com/office/drawing/2010/main" xmlns="" w="9525">
                     <a:solidFill>
                       <a:srgbClr val="000000"/>
                     </a:solidFill>
@@ -11009,7 +11010,7 @@
               </a:ln>
               <a:extLst>
                 <a:ext uri="{91240B29-F687-4f45-9708-019B960494DF}">
-                  <a14:hiddenLine xmlns="" xmlns:a14="http://schemas.microsoft.com/office/drawing/2010/main" w="9525">
+                  <a14:hiddenLine xmlns:a14="http://schemas.microsoft.com/office/drawing/2010/main" xmlns="" w="9525">
                     <a:solidFill>
                       <a:srgbClr val="000000"/>
                     </a:solidFill>
@@ -11107,7 +11108,7 @@
               </a:ln>
               <a:extLst>
                 <a:ext uri="{91240B29-F687-4f45-9708-019B960494DF}">
-                  <a14:hiddenLine xmlns="" xmlns:a14="http://schemas.microsoft.com/office/drawing/2010/main" w="9525">
+                  <a14:hiddenLine xmlns:a14="http://schemas.microsoft.com/office/drawing/2010/main" xmlns="" w="9525">
                     <a:solidFill>
                       <a:srgbClr val="000000"/>
                     </a:solidFill>
@@ -11222,7 +11223,7 @@
               </a:ln>
               <a:extLst>
                 <a:ext uri="{91240B29-F687-4f45-9708-019B960494DF}">
-                  <a14:hiddenLine xmlns="" xmlns:a14="http://schemas.microsoft.com/office/drawing/2010/main" w="9525">
+                  <a14:hiddenLine xmlns:a14="http://schemas.microsoft.com/office/drawing/2010/main" xmlns="" w="9525">
                     <a:solidFill>
                       <a:srgbClr val="000000"/>
                     </a:solidFill>
@@ -11312,7 +11313,7 @@
               </a:ln>
               <a:extLst>
                 <a:ext uri="{91240B29-F687-4f45-9708-019B960494DF}">
-                  <a14:hiddenLine xmlns="" xmlns:a14="http://schemas.microsoft.com/office/drawing/2010/main" w="9525">
+                  <a14:hiddenLine xmlns:a14="http://schemas.microsoft.com/office/drawing/2010/main" xmlns="" w="9525">
                     <a:solidFill>
                       <a:srgbClr val="000000"/>
                     </a:solidFill>
@@ -11377,7 +11378,7 @@
               </a:ln>
               <a:extLst>
                 <a:ext uri="{91240B29-F687-4f45-9708-019B960494DF}">
-                  <a14:hiddenLine xmlns="" xmlns:a14="http://schemas.microsoft.com/office/drawing/2010/main" w="9525">
+                  <a14:hiddenLine xmlns:a14="http://schemas.microsoft.com/office/drawing/2010/main" xmlns="" w="9525">
                     <a:solidFill>
                       <a:srgbClr val="000000"/>
                     </a:solidFill>
@@ -11467,7 +11468,7 @@
               </a:ln>
               <a:extLst>
                 <a:ext uri="{91240B29-F687-4f45-9708-019B960494DF}">
-                  <a14:hiddenLine xmlns="" xmlns:a14="http://schemas.microsoft.com/office/drawing/2010/main" w="9525">
+                  <a14:hiddenLine xmlns:a14="http://schemas.microsoft.com/office/drawing/2010/main" xmlns="" w="9525">
                     <a:solidFill>
                       <a:srgbClr val="000000"/>
                     </a:solidFill>
@@ -11535,7 +11536,7 @@
               </a:ln>
               <a:extLst>
                 <a:ext uri="{91240B29-F687-4f45-9708-019B960494DF}">
-                  <a14:hiddenLine xmlns="" xmlns:a14="http://schemas.microsoft.com/office/drawing/2010/main" w="9525">
+                  <a14:hiddenLine xmlns:a14="http://schemas.microsoft.com/office/drawing/2010/main" xmlns="" w="9525">
                     <a:solidFill>
                       <a:srgbClr val="000000"/>
                     </a:solidFill>
@@ -11625,7 +11626,7 @@
               </a:ln>
               <a:extLst>
                 <a:ext uri="{91240B29-F687-4f45-9708-019B960494DF}">
-                  <a14:hiddenLine xmlns="" xmlns:a14="http://schemas.microsoft.com/office/drawing/2010/main" w="9525">
+                  <a14:hiddenLine xmlns:a14="http://schemas.microsoft.com/office/drawing/2010/main" xmlns="" w="9525">
                     <a:solidFill>
                       <a:srgbClr val="000000"/>
                     </a:solidFill>
@@ -11693,7 +11694,7 @@
               </a:ln>
               <a:extLst>
                 <a:ext uri="{91240B29-F687-4f45-9708-019B960494DF}">
-                  <a14:hiddenLine xmlns="" xmlns:a14="http://schemas.microsoft.com/office/drawing/2010/main" w="9525">
+                  <a14:hiddenLine xmlns:a14="http://schemas.microsoft.com/office/drawing/2010/main" xmlns="" w="9525">
                     <a:solidFill>
                       <a:srgbClr val="000000"/>
                     </a:solidFill>
@@ -11783,7 +11784,7 @@
               </a:ln>
               <a:extLst>
                 <a:ext uri="{91240B29-F687-4f45-9708-019B960494DF}">
-                  <a14:hiddenLine xmlns="" xmlns:a14="http://schemas.microsoft.com/office/drawing/2010/main" w="9525">
+                  <a14:hiddenLine xmlns:a14="http://schemas.microsoft.com/office/drawing/2010/main" xmlns="" w="9525">
                     <a:solidFill>
                       <a:srgbClr val="000000"/>
                     </a:solidFill>
@@ -11817,7 +11818,7 @@
               </a:ln>
               <a:extLst>
                 <a:ext uri="{91240B29-F687-4f45-9708-019B960494DF}">
-                  <a14:hiddenLine xmlns="" xmlns:a14="http://schemas.microsoft.com/office/drawing/2010/main" w="9525">
+                  <a14:hiddenLine xmlns:a14="http://schemas.microsoft.com/office/drawing/2010/main" xmlns="" w="9525">
                     <a:solidFill>
                       <a:srgbClr val="000000"/>
                     </a:solidFill>
@@ -11958,7 +11959,7 @@
             <a:fld id="{48A87A34-81AB-432B-8DAE-1953F412C126}" type="datetimeFigureOut">
               <a:rPr lang="en-US" dirty="0"/>
               <a:pPr/>
-              <a:t>4/3/18</a:t>
+              <a:t>4/19/18</a:t>
             </a:fld>
             <a:endParaRPr lang="en-US" dirty="0"/>
           </a:p>
@@ -12476,6 +12477,165 @@
           <a:lstStyle/>
           <a:p>
             <a:r>
+              <a:rPr lang="en-US" dirty="0"/>
+              <a:t>Procedure </a:t>
+            </a:r>
+            <a:r>
+              <a:rPr lang="mr-IN" dirty="0"/>
+              <a:t>–</a:t>
+            </a:r>
+            <a:r>
+              <a:rPr lang="en-US" dirty="0"/>
+              <a:t> </a:t>
+            </a:r>
+            <a:r>
+              <a:rPr lang="en-US" dirty="0" smtClean="0"/>
+              <a:t>Machine Learning</a:t>
+            </a:r>
+            <a:endParaRPr lang="en-US" dirty="0"/>
+          </a:p>
+        </p:txBody>
+      </p:sp>
+      <p:sp>
+        <p:nvSpPr>
+          <p:cNvPr id="3" name="Content Placeholder 2"/>
+          <p:cNvSpPr>
+            <a:spLocks noGrp="1"/>
+          </p:cNvSpPr>
+          <p:nvPr>
+            <p:ph idx="1"/>
+          </p:nvPr>
+        </p:nvSpPr>
+        <p:spPr/>
+        <p:txBody>
+          <a:bodyPr>
+            <a:normAutofit fontScale="92500" lnSpcReduction="10000"/>
+          </a:bodyPr>
+          <a:lstStyle/>
+          <a:p>
+            <a:pPr marL="0" indent="0">
+              <a:buNone/>
+            </a:pPr>
+            <a:r>
+              <a:rPr lang="en-US" dirty="0"/>
+              <a:t>A random forest model was created using the following features</a:t>
+            </a:r>
+            <a:r>
+              <a:rPr lang="en-US" dirty="0" smtClean="0"/>
+              <a:t>.</a:t>
+            </a:r>
+          </a:p>
+          <a:p>
+            <a:pPr marL="0" indent="0">
+              <a:buNone/>
+            </a:pPr>
+            <a:endParaRPr lang="en-US" dirty="0"/>
+          </a:p>
+          <a:p>
+            <a:pPr marL="457200" indent="-457200">
+              <a:buFont typeface="+mj-lt"/>
+              <a:buAutoNum type="arabicPeriod"/>
+            </a:pPr>
+            <a:r>
+              <a:rPr lang="en-US" dirty="0"/>
+              <a:t>Irregular diet</a:t>
+            </a:r>
+          </a:p>
+          <a:p>
+            <a:pPr marL="457200" indent="-457200">
+              <a:buFont typeface="+mj-lt"/>
+              <a:buAutoNum type="arabicPeriod"/>
+            </a:pPr>
+            <a:r>
+              <a:rPr lang="en-US" dirty="0"/>
+              <a:t>Median blood glucose level.</a:t>
+            </a:r>
+          </a:p>
+          <a:p>
+            <a:pPr marL="457200" indent="-457200">
+              <a:buFont typeface="+mj-lt"/>
+              <a:buAutoNum type="arabicPeriod"/>
+            </a:pPr>
+            <a:r>
+              <a:rPr lang="en-US" dirty="0"/>
+              <a:t>Number of NPH insulin shots per day</a:t>
+            </a:r>
+          </a:p>
+          <a:p>
+            <a:pPr marL="457200" indent="-457200">
+              <a:buFont typeface="+mj-lt"/>
+              <a:buAutoNum type="arabicPeriod"/>
+            </a:pPr>
+            <a:r>
+              <a:rPr lang="en-US" dirty="0"/>
+              <a:t>Number of readings per day.</a:t>
+            </a:r>
+          </a:p>
+          <a:p>
+            <a:pPr marL="457200" indent="-457200">
+              <a:buFont typeface="+mj-lt"/>
+              <a:buAutoNum type="arabicPeriod"/>
+            </a:pPr>
+            <a:r>
+              <a:rPr lang="en-US" dirty="0"/>
+              <a:t>Number of snack times per day</a:t>
+            </a:r>
+          </a:p>
+        </p:txBody>
+      </p:sp>
+    </p:spTree>
+    <p:extLst>
+      <p:ext uri="{BB962C8B-B14F-4D97-AF65-F5344CB8AC3E}">
+        <p14:creationId xmlns:p14="http://schemas.microsoft.com/office/powerpoint/2010/main" val="1744402713"/>
+      </p:ext>
+    </p:extLst>
+  </p:cSld>
+  <p:clrMapOvr>
+    <a:masterClrMapping/>
+  </p:clrMapOvr>
+  <p:timing>
+    <p:tnLst>
+      <p:par>
+        <p:cTn id="1" dur="indefinite" restart="never" nodeType="tmRoot"/>
+      </p:par>
+    </p:tnLst>
+  </p:timing>
+</p:sld>
+</file>
+
+<file path=ppt/slides/slide11.xml><?xml version="1.0" encoding="utf-8"?>
+<p:sld xmlns:a="http://schemas.openxmlformats.org/drawingml/2006/main" xmlns:r="http://schemas.openxmlformats.org/officeDocument/2006/relationships" xmlns:p="http://schemas.openxmlformats.org/presentationml/2006/main">
+  <p:cSld>
+    <p:spTree>
+      <p:nvGrpSpPr>
+        <p:cNvPr id="1" name=""/>
+        <p:cNvGrpSpPr/>
+        <p:nvPr/>
+      </p:nvGrpSpPr>
+      <p:grpSpPr>
+        <a:xfrm>
+          <a:off x="0" y="0"/>
+          <a:ext cx="0" cy="0"/>
+          <a:chOff x="0" y="0"/>
+          <a:chExt cx="0" cy="0"/>
+        </a:xfrm>
+      </p:grpSpPr>
+      <p:sp>
+        <p:nvSpPr>
+          <p:cNvPr id="2" name="Title 1"/>
+          <p:cNvSpPr>
+            <a:spLocks noGrp="1"/>
+          </p:cNvSpPr>
+          <p:nvPr>
+            <p:ph type="title"/>
+          </p:nvPr>
+        </p:nvSpPr>
+        <p:spPr/>
+        <p:txBody>
+          <a:bodyPr/>
+          <a:lstStyle/>
+          <a:p>
+            <a:r>
               <a:rPr lang="en-US" dirty="0" smtClean="0"/>
               <a:t>Testing</a:t>
             </a:r>
@@ -12510,7 +12670,15 @@
             </a:pPr>
             <a:r>
               <a:rPr lang="en-US" dirty="0"/>
-              <a:t>The dataset was divided into 60/40 Train test split. The model was able to predict with a maximum of 82% accuracy. The ROC-AOC </a:t>
+              <a:t>The dataset was divided into 60/40 Train test split. The model was able to predict with a maximum of 82</a:t>
+            </a:r>
+            <a:r>
+              <a:rPr lang="en-US" dirty="0" smtClean="0"/>
+              <a:t>%(AUROC) </a:t>
+            </a:r>
+            <a:r>
+              <a:rPr lang="en-US" dirty="0"/>
+              <a:t>accuracy. The ROC-AOC </a:t>
             </a:r>
             <a:r>
               <a:rPr lang="en-US" dirty="0" smtClean="0"/>
@@ -12621,7 +12789,7 @@
 </p:sld>
 </file>
 
-<file path=ppt/slides/slide11.xml><?xml version="1.0" encoding="utf-8"?>
+<file path=ppt/slides/slide12.xml><?xml version="1.0" encoding="utf-8"?>
 <p:sld xmlns:a="http://schemas.openxmlformats.org/drawingml/2006/main" xmlns:r="http://schemas.openxmlformats.org/officeDocument/2006/relationships" xmlns:p="http://schemas.openxmlformats.org/presentationml/2006/main">
   <p:cSld>
     <p:spTree>
@@ -12673,14 +12841,65 @@
         </p:nvSpPr>
         <p:spPr/>
         <p:txBody>
-          <a:bodyPr/>
+          <a:bodyPr>
+            <a:normAutofit fontScale="92500" lnSpcReduction="10000"/>
+          </a:bodyPr>
           <a:lstStyle/>
           <a:p>
+            <a:pPr marL="0" indent="0">
+              <a:buNone/>
+            </a:pPr>
+            <a:r>
+              <a:rPr lang="en-US" dirty="0" smtClean="0"/>
+              <a:t>With lot of questions on causes, treatment and cure left unanswered in the field of diabetics and with large amount of data left unused, this field is a perfect application for data science. </a:t>
+            </a:r>
+          </a:p>
+          <a:p>
+            <a:pPr marL="0" indent="0">
+              <a:buNone/>
+            </a:pPr>
+            <a:endParaRPr lang="en-US" dirty="0"/>
+          </a:p>
+          <a:p>
+            <a:pPr marL="0" indent="0">
+              <a:buNone/>
+            </a:pPr>
+            <a:r>
+              <a:rPr lang="en-US" dirty="0" smtClean="0"/>
+              <a:t>This </a:t>
+            </a:r>
             <a:r>
               <a:rPr lang="en-US" dirty="0"/>
-              <a:t>This model with 82% accuracy should be very helpful for physicians to identify at risk hypoglycemic patients. A further time series model can be created in the future to identify if daily blood sugar levels have anything to do with hypoglycemia.</a:t>
-            </a:r>
-            <a:endParaRPr lang="en-US" dirty="0"/>
+              <a:t>model </a:t>
+            </a:r>
+            <a:r>
+              <a:rPr lang="en-US" dirty="0" smtClean="0"/>
+              <a:t>which focuses on better management </a:t>
+            </a:r>
+            <a:r>
+              <a:rPr lang="en-US" smtClean="0"/>
+              <a:t>of disease with </a:t>
+            </a:r>
+            <a:r>
+              <a:rPr lang="en-US" dirty="0"/>
+              <a:t>82</a:t>
+            </a:r>
+            <a:r>
+              <a:rPr lang="en-US"/>
+              <a:t>% </a:t>
+            </a:r>
+            <a:r>
+              <a:rPr lang="en-US" smtClean="0"/>
+              <a:t>accuracy (</a:t>
+            </a:r>
+            <a:r>
+              <a:rPr lang="en-US" dirty="0" smtClean="0"/>
+              <a:t>AUROC) </a:t>
+            </a:r>
+            <a:r>
+              <a:rPr lang="en-US" dirty="0"/>
+              <a:t>should be very helpful for physicians to identify at risk hypoglycemic patients. A further time series model can be created in the future to identify if daily blood sugar levels have anything to do with hypoglycemia.</a:t>
+            </a:r>
           </a:p>
         </p:txBody>
       </p:sp>
@@ -12889,13 +13108,8 @@
             </a:r>
             <a:r>
               <a:rPr lang="en-US" dirty="0"/>
-              <a:t>Of The </a:t>
-            </a:r>
-            <a:r>
-              <a:rPr lang="en-US" dirty="0"/>
-              <a:t>Study</a:t>
-            </a:r>
-            <a:endParaRPr lang="en-US" dirty="0"/>
+              <a:t>Of The Study</a:t>
+            </a:r>
           </a:p>
         </p:txBody>
       </p:sp>
@@ -13002,7 +13216,6 @@
               <a:rPr lang="en-US" dirty="0"/>
               <a:t>/ml/datasets/diabetes</a:t>
             </a:r>
-            <a:endParaRPr lang="en-US" dirty="0"/>
           </a:p>
         </p:txBody>
       </p:sp>
@@ -13059,8 +13272,12 @@
           <a:lstStyle/>
           <a:p>
             <a:r>
-              <a:rPr lang="en-US" dirty="0" err="1"/>
-              <a:t>DataSet</a:t>
+              <a:rPr lang="en-US" b="1" dirty="0"/>
+              <a:t>Data </a:t>
+            </a:r>
+            <a:r>
+              <a:rPr lang="en-US" b="1" dirty="0" smtClean="0"/>
+              <a:t>Description</a:t>
             </a:r>
             <a:endParaRPr lang="en-US" dirty="0"/>
           </a:p>
@@ -13344,21 +13561,8 @@
           <a:p>
             <a:r>
               <a:rPr lang="en-US" dirty="0"/>
-              <a:t>Procedure</a:t>
-            </a:r>
-            <a:r>
-              <a:rPr lang="en-US" dirty="0"/>
-              <a:t> - </a:t>
-            </a:r>
-            <a:r>
-              <a:rPr lang="en-US" dirty="0"/>
-              <a:t>Data </a:t>
-            </a:r>
-            <a:r>
-              <a:rPr lang="en-US" dirty="0"/>
-              <a:t>Wrangling</a:t>
-            </a:r>
-            <a:endParaRPr lang="en-US" dirty="0"/>
+              <a:t>Procedure - Data Wrangling</a:t>
+            </a:r>
           </a:p>
         </p:txBody>
       </p:sp>
@@ -13830,7 +14034,7 @@
         <p:spPr/>
         <p:txBody>
           <a:bodyPr>
-            <a:normAutofit fontScale="92500" lnSpcReduction="20000"/>
+            <a:normAutofit fontScale="77500" lnSpcReduction="20000"/>
           </a:bodyPr>
           <a:lstStyle/>
           <a:p>
@@ -13845,6 +14049,11 @@
               <a:rPr lang="en-US" dirty="0" smtClean="0"/>
               <a:t>.</a:t>
             </a:r>
+          </a:p>
+          <a:p>
+            <a:pPr marL="0" indent="0">
+              <a:buNone/>
+            </a:pPr>
             <a:endParaRPr lang="en-US" dirty="0"/>
           </a:p>
           <a:p>
@@ -13994,7 +14203,7 @@
         <p:spPr/>
         <p:txBody>
           <a:bodyPr>
-            <a:normAutofit fontScale="92500" lnSpcReduction="10000"/>
+            <a:normAutofit fontScale="70000" lnSpcReduction="20000"/>
           </a:bodyPr>
           <a:lstStyle/>
           <a:p>
@@ -14003,7 +14212,7 @@
             </a:pPr>
             <a:r>
               <a:rPr lang="en-US" dirty="0"/>
-              <a:t>A random forest model was created using the following features</a:t>
+              <a:t>From EDA conclusions, we can infer that patients experience hypoglycemia for a number of independent reasons</a:t>
             </a:r>
             <a:r>
               <a:rPr lang="en-US" dirty="0" smtClean="0"/>
@@ -14011,60 +14220,75 @@
             </a:r>
           </a:p>
           <a:p>
+            <a:pPr marL="457200" indent="-457200">
+              <a:buAutoNum type="arabicParenR"/>
+            </a:pPr>
+            <a:r>
+              <a:rPr lang="en-US" dirty="0" smtClean="0"/>
+              <a:t>Being </a:t>
+            </a:r>
+            <a:r>
+              <a:rPr lang="en-US" dirty="0"/>
+              <a:t>irregular with diet, exercise and snacking</a:t>
+            </a:r>
+            <a:r>
+              <a:rPr lang="en-US" dirty="0" smtClean="0"/>
+              <a:t>.</a:t>
+            </a:r>
+          </a:p>
+          <a:p>
+            <a:pPr marL="457200" indent="-457200">
+              <a:buAutoNum type="arabicParenR"/>
+            </a:pPr>
+            <a:r>
+              <a:rPr lang="en-US" dirty="0" smtClean="0"/>
+              <a:t>Strict </a:t>
+            </a:r>
+            <a:r>
+              <a:rPr lang="en-US" dirty="0"/>
+              <a:t>control - People who are very conscious about their day to day activities also experience hypoglycemia as their efforts maintain optimal blood glucose levels sometimes lead to very low blood glucose levels which leads to hypoglycemic symptoms</a:t>
+            </a:r>
+            <a:r>
+              <a:rPr lang="en-US" dirty="0" smtClean="0"/>
+              <a:t>.</a:t>
+            </a:r>
+          </a:p>
+          <a:p>
+            <a:pPr marL="457200" indent="-457200">
+              <a:buAutoNum type="arabicParenR"/>
+            </a:pPr>
+            <a:r>
+              <a:rPr lang="en-US" dirty="0" smtClean="0"/>
+              <a:t>NPH </a:t>
+            </a:r>
+            <a:r>
+              <a:rPr lang="en-US" dirty="0"/>
+              <a:t>insulin - People on NPH insulin are more prone to </a:t>
+            </a:r>
+            <a:r>
+              <a:rPr lang="en-US" dirty="0" smtClean="0"/>
+              <a:t>hypoglycemia.</a:t>
+            </a:r>
+          </a:p>
+          <a:p>
             <a:pPr marL="0" indent="0">
               <a:buNone/>
             </a:pPr>
-            <a:endParaRPr lang="en-US" dirty="0"/>
-          </a:p>
-          <a:p>
-            <a:pPr marL="457200" indent="-457200">
-              <a:buFont typeface="+mj-lt"/>
-              <a:buAutoNum type="arabicPeriod"/>
+            <a:endParaRPr lang="en-US" dirty="0" smtClean="0"/>
+          </a:p>
+          <a:p>
+            <a:pPr marL="0" indent="0">
+              <a:buNone/>
             </a:pPr>
             <a:r>
+              <a:rPr lang="en-US" dirty="0" smtClean="0"/>
+              <a:t>We </a:t>
+            </a:r>
+            <a:r>
               <a:rPr lang="en-US" dirty="0"/>
-              <a:t>Irregular diet</a:t>
-            </a:r>
-          </a:p>
-          <a:p>
-            <a:pPr marL="457200" indent="-457200">
-              <a:buFont typeface="+mj-lt"/>
-              <a:buAutoNum type="arabicPeriod"/>
-            </a:pPr>
-            <a:r>
-              <a:rPr lang="en-US" dirty="0"/>
-              <a:t>Median blood glucose level.</a:t>
-            </a:r>
-          </a:p>
-          <a:p>
-            <a:pPr marL="457200" indent="-457200">
-              <a:buFont typeface="+mj-lt"/>
-              <a:buAutoNum type="arabicPeriod"/>
-            </a:pPr>
-            <a:r>
-              <a:rPr lang="en-US" dirty="0"/>
-              <a:t>Number of NPH insulin shots per day</a:t>
-            </a:r>
-          </a:p>
-          <a:p>
-            <a:pPr marL="457200" indent="-457200">
-              <a:buFont typeface="+mj-lt"/>
-              <a:buAutoNum type="arabicPeriod"/>
-            </a:pPr>
-            <a:r>
-              <a:rPr lang="en-US" dirty="0"/>
-              <a:t>Number of readings per day.</a:t>
-            </a:r>
-          </a:p>
-          <a:p>
-            <a:pPr marL="457200" indent="-457200">
-              <a:buFont typeface="+mj-lt"/>
-              <a:buAutoNum type="arabicPeriod"/>
-            </a:pPr>
-            <a:r>
-              <a:rPr lang="en-US" dirty="0"/>
-              <a:t>Number of snack times per day</a:t>
-            </a:r>
+              <a:t>can see that there are three different sub populations within the hypoglycemic population. The number of categorical feature is one one. This makes random forest a best fit for the problem than other classifiers like SVM or KNN.</a:t>
+            </a:r>
+            <a:endParaRPr lang="en-US" dirty="0" smtClean="0"/>
           </a:p>
         </p:txBody>
       </p:sp>
